--- a/Recommendation_Systems_for_Soccer.pptx
+++ b/Recommendation_Systems_for_Soccer.pptx
@@ -6696,10 +6696,10 @@
           <a:p>
             <a:pPr algn="ctr"/>
             <a:r>
-              <a:rPr lang="en-US" sz="4000" dirty="0">
+              <a:rPr lang="en-US" sz="3600" b="1" dirty="0">
                 <a:latin typeface="Book Antiqua" panose="02040602050305030304" pitchFamily="18" charset="0"/>
               </a:rPr>
-              <a:t>Problems with above mentioned options:</a:t>
+              <a:t>MAIN PITFALLS</a:t>
             </a:r>
           </a:p>
         </p:txBody>
@@ -6751,7 +6751,7 @@
               <a:rPr lang="en-US" sz="3200" dirty="0">
                 <a:latin typeface="Book Antiqua" panose="02040602050305030304" pitchFamily="18" charset="0"/>
               </a:rPr>
-              <a:t> </a:t>
+              <a:t>  </a:t>
             </a:r>
             <a:r>
               <a:rPr lang="en-US" sz="2900" dirty="0">
@@ -6933,12 +6933,14 @@
         </p:nvSpPr>
         <p:spPr/>
         <p:txBody>
-          <a:bodyPr/>
+          <a:bodyPr>
+            <a:normAutofit/>
+          </a:bodyPr>
           <a:lstStyle/>
           <a:p>
             <a:pPr algn="ctr"/>
             <a:r>
-              <a:rPr lang="en-US" b="1" dirty="0">
+              <a:rPr lang="en-US" sz="3600" b="1" dirty="0">
                 <a:latin typeface="Book Antiqua" panose="02040602050305030304" pitchFamily="18" charset="0"/>
               </a:rPr>
               <a:t>Proposal</a:t>
@@ -7370,7 +7372,7 @@
           <a:p>
             <a:pPr algn="ctr"/>
             <a:r>
-              <a:rPr lang="en-US" sz="3200" b="1" dirty="0">
+              <a:rPr lang="en-US" sz="3600" b="1" dirty="0">
                 <a:latin typeface="Book Antiqua" panose="02040602050305030304" pitchFamily="18" charset="0"/>
               </a:rPr>
               <a:t>Ultimate Goal</a:t>
@@ -7396,8 +7398,8 @@
         </p:nvSpPr>
         <p:spPr>
           <a:xfrm>
-            <a:off x="685801" y="1702677"/>
-            <a:ext cx="10131425" cy="4540468"/>
+            <a:off x="685801" y="1797977"/>
+            <a:ext cx="10131425" cy="4736387"/>
           </a:xfrm>
         </p:spPr>
         <p:txBody>
@@ -7581,13 +7583,13 @@
         </p:nvSpPr>
         <p:spPr>
           <a:xfrm>
-            <a:off x="1825535" y="1502424"/>
-            <a:ext cx="8610600" cy="1293028"/>
+            <a:off x="1721032" y="1356189"/>
+            <a:ext cx="8610600" cy="1326248"/>
           </a:xfrm>
         </p:spPr>
         <p:txBody>
           <a:bodyPr>
-            <a:normAutofit fontScale="90000"/>
+            <a:noAutofit/>
           </a:bodyPr>
           <a:lstStyle/>
           <a:p>
@@ -8044,7 +8046,7 @@
         <p:spPr>
           <a:xfrm>
             <a:off x="685800" y="2004159"/>
-            <a:ext cx="10131425" cy="5237018"/>
+            <a:ext cx="10131425" cy="4684317"/>
           </a:xfrm>
         </p:spPr>
         <p:txBody>
@@ -8057,7 +8059,18 @@
               <a:rPr lang="en-US" sz="2400" dirty="0">
                 <a:latin typeface="Book Antiqua" panose="02040602050305030304" pitchFamily="18" charset="0"/>
               </a:rPr>
-              <a:t>Soccer clubs spend millions to transfer the most skilled players (transfer fees have increased exponentially within the last decade) </a:t>
+              <a:t>Soccer clubs spend millions to transfer the most skilled players </a:t>
+            </a:r>
+          </a:p>
+          <a:p>
+            <a:pPr marL="0" indent="0">
+              <a:buNone/>
+            </a:pPr>
+            <a:r>
+              <a:rPr lang="en-US" sz="2400" dirty="0">
+                <a:latin typeface="Book Antiqua" panose="02040602050305030304" pitchFamily="18" charset="0"/>
+              </a:rPr>
+              <a:t>(transfer fees have increased exponentially within the last decade) </a:t>
             </a:r>
           </a:p>
           <a:p>
@@ -8639,8 +8652,8 @@
         </p:nvSpPr>
         <p:spPr>
           <a:xfrm>
-            <a:off x="838200" y="441435"/>
-            <a:ext cx="10515600" cy="6072880"/>
+            <a:off x="1053957" y="354459"/>
+            <a:ext cx="10515600" cy="6503541"/>
           </a:xfrm>
         </p:spPr>
         <p:txBody>
@@ -8657,12 +8670,15 @@
             </a:endParaRPr>
           </a:p>
           <a:p>
-            <a:pPr marL="0" indent="0">
+            <a:pPr marL="0" indent="0" algn="ctr">
               <a:buNone/>
             </a:pPr>
-            <a:endParaRPr lang="en-US" sz="2400" dirty="0">
-              <a:latin typeface="Book Antiqua" panose="02040602050305030304" pitchFamily="18" charset="0"/>
-            </a:endParaRPr>
+            <a:r>
+              <a:rPr lang="en-US" sz="3600" b="1" dirty="0">
+                <a:latin typeface="Book Antiqua" panose="02040602050305030304" pitchFamily="18" charset="0"/>
+              </a:rPr>
+              <a:t>Example</a:t>
+            </a:r>
           </a:p>
           <a:p>
             <a:pPr marL="0" indent="0">
